--- a/1.3-Activity-PSS_ More Git _ Environment Variables.pptx
+++ b/1.3-Activity-PSS_ More Git _ Environment Variables.pptx
@@ -17,7 +17,7 @@
   <p:notesSz cx="6858000" cy="9144000"/>
   <p:embeddedFontLst>
     <p:embeddedFont>
-      <p:font typeface="Merriweather" panose="020B0604020202020204" charset="0"/>
+      <p:font typeface="Merriweather" pitchFamily="2" charset="77"/>
       <p:regular r:id="rId7"/>
       <p:bold r:id="rId8"/>
       <p:italic r:id="rId9"/>
@@ -8388,10 +8388,9 @@
               <a:buChar char="●"/>
             </a:pPr>
             <a:r>
-              <a:rPr lang="en-US"/>
+              <a:rPr lang="en-US" dirty="0"/>
               <a:t>Submit to the designated MyCourses’ Dropbox.</a:t>
             </a:r>
-            <a:endParaRPr lang="en-US" dirty="0"/>
           </a:p>
         </p:txBody>
       </p:sp>
@@ -8816,7 +8815,13 @@
         <p:nvGraphicFramePr>
           <p:cNvPr id="90" name="Google Shape;90;p15"/>
           <p:cNvGraphicFramePr/>
-          <p:nvPr/>
+          <p:nvPr>
+            <p:extLst>
+              <p:ext uri="{D42A27DB-BD31-4B8C-83A1-F6EECF244321}">
+                <p14:modId xmlns:p14="http://schemas.microsoft.com/office/powerpoint/2010/main" val="2268823097"/>
+              </p:ext>
+            </p:extLst>
+          </p:nvPr>
         </p:nvGraphicFramePr>
         <p:xfrm>
           <a:off x="4485000" y="317175"/>
@@ -8853,7 +8858,11 @@
                         </a:spcAft>
                         <a:buNone/>
                       </a:pPr>
-                      <a:endParaRPr/>
+                      <a:r>
+                        <a:rPr lang="en-US" dirty="0"/>
+                        <a:t>Didn’t push the changes to the remote repository </a:t>
+                      </a:r>
+                      <a:endParaRPr dirty="0"/>
                     </a:p>
                   </a:txBody>
                   <a:tcPr marL="91425" marR="91425" marT="91425" marB="91425">
@@ -8916,7 +8925,11 @@
                         </a:spcAft>
                         <a:buNone/>
                       </a:pPr>
-                      <a:endParaRPr/>
+                      <a:r>
+                        <a:rPr lang="en-US" dirty="0"/>
+                        <a:t>Didn’t pull to check if another teammate made a change in the same branch . </a:t>
+                      </a:r>
+                      <a:endParaRPr dirty="0"/>
                     </a:p>
                   </a:txBody>
                   <a:tcPr marL="91425" marR="91425" marT="91425" marB="91425">
@@ -8979,7 +8992,11 @@
                         </a:spcAft>
                         <a:buNone/>
                       </a:pPr>
-                      <a:endParaRPr/>
+                      <a:r>
+                        <a:rPr lang="en-US" dirty="0"/>
+                        <a:t>Trying to push and didn’t sign in to git hub </a:t>
+                      </a:r>
+                      <a:endParaRPr dirty="0"/>
                     </a:p>
                   </a:txBody>
                   <a:tcPr marL="91425" marR="91425" marT="91425" marB="91425">
@@ -9042,7 +9059,7 @@
                         </a:spcAft>
                         <a:buNone/>
                       </a:pPr>
-                      <a:endParaRPr/>
+                      <a:endParaRPr dirty="0"/>
                     </a:p>
                   </a:txBody>
                   <a:tcPr marL="91425" marR="91425" marT="91425" marB="91425">
@@ -9238,10 +9255,10 @@
               <a:buNone/>
             </a:pPr>
             <a:r>
-              <a:rPr lang="en"/>
+              <a:rPr lang="en" dirty="0"/>
               <a:t>Each entry in a Git log contains 4 pieces of information.</a:t>
             </a:r>
-            <a:endParaRPr/>
+            <a:endParaRPr dirty="0"/>
           </a:p>
           <a:p>
             <a:pPr marL="0" lvl="0" indent="0" algn="l" rtl="0">
@@ -9254,10 +9271,10 @@
               <a:buNone/>
             </a:pPr>
             <a:r>
-              <a:rPr lang="en"/>
+              <a:rPr lang="en" dirty="0"/>
               <a:t>Describe each piece of information and under which circumstances it might be useful.</a:t>
             </a:r>
-            <a:endParaRPr/>
+            <a:endParaRPr dirty="0"/>
           </a:p>
           <a:p>
             <a:pPr marL="0" lvl="0" indent="0" algn="l" rtl="0">
@@ -9270,10 +9287,10 @@
               <a:buNone/>
             </a:pPr>
             <a:r>
-              <a:rPr lang="en"/>
+              <a:rPr lang="en" dirty="0"/>
               <a:t>Consider how the usefulness of the log would be affected by the the frequency of commits and the quality of the comments that you use when you commit to the repository.</a:t>
             </a:r>
-            <a:endParaRPr/>
+            <a:endParaRPr dirty="0"/>
           </a:p>
         </p:txBody>
       </p:sp>
@@ -9281,7 +9298,13 @@
         <p:nvGraphicFramePr>
           <p:cNvPr id="98" name="Google Shape;98;p16"/>
           <p:cNvGraphicFramePr/>
-          <p:nvPr/>
+          <p:nvPr>
+            <p:extLst>
+              <p:ext uri="{D42A27DB-BD31-4B8C-83A1-F6EECF244321}">
+                <p14:modId xmlns:p14="http://schemas.microsoft.com/office/powerpoint/2010/main" val="2415728298"/>
+              </p:ext>
+            </p:extLst>
+          </p:nvPr>
         </p:nvGraphicFramePr>
         <p:xfrm>
           <a:off x="452375" y="201575"/>
@@ -9318,7 +9341,11 @@
                         </a:spcAft>
                         <a:buNone/>
                       </a:pPr>
-                      <a:endParaRPr sz="1000"/>
+                      <a:r>
+                        <a:rPr lang="en-US" sz="1000" dirty="0"/>
+                        <a:t>Shows all list of the commits to the repository </a:t>
+                      </a:r>
+                      <a:endParaRPr sz="1000" dirty="0"/>
                     </a:p>
                   </a:txBody>
                   <a:tcPr marL="91425" marR="91425" marT="91425" marB="91425">
@@ -9381,7 +9408,11 @@
                         </a:spcAft>
                         <a:buNone/>
                       </a:pPr>
-                      <a:endParaRPr sz="1000"/>
+                      <a:r>
+                        <a:rPr lang="en-US" sz="1000" dirty="0"/>
+                        <a:t>The hash of each commit </a:t>
+                      </a:r>
+                      <a:endParaRPr sz="1000" dirty="0"/>
                     </a:p>
                   </a:txBody>
                   <a:tcPr marL="91425" marR="91425" marT="91425" marB="91425">
@@ -9444,7 +9475,11 @@
                         </a:spcAft>
                         <a:buNone/>
                       </a:pPr>
-                      <a:endParaRPr sz="1000"/>
+                      <a:r>
+                        <a:rPr lang="en-US" sz="1000" dirty="0"/>
+                        <a:t>Author of the commit </a:t>
+                      </a:r>
+                      <a:endParaRPr sz="1000" dirty="0"/>
                     </a:p>
                   </a:txBody>
                   <a:tcPr marL="91425" marR="91425" marT="91425" marB="91425">
@@ -9498,16 +9533,44 @@
                     <a:bodyPr/>
                     <a:lstStyle/>
                     <a:p>
-                      <a:pPr marL="0" lvl="0" indent="0" algn="l" rtl="0">
+                      <a:pPr marL="0" marR="0" lvl="0" indent="0" algn="l" defTabSz="914400" rtl="0" eaLnBrk="1" fontAlgn="auto" latinLnBrk="0" hangingPunct="1">
+                        <a:lnSpc>
+                          <a:spcPct val="100000"/>
+                        </a:lnSpc>
                         <a:spcBef>
                           <a:spcPts val="0"/>
                         </a:spcBef>
                         <a:spcAft>
                           <a:spcPts val="0"/>
                         </a:spcAft>
+                        <a:buClr>
+                          <a:srgbClr val="000000"/>
+                        </a:buClr>
+                        <a:buSzTx/>
+                        <a:buFont typeface="Arial"/>
                         <a:buNone/>
+                        <a:tabLst/>
+                        <a:defRPr/>
                       </a:pPr>
-                      <a:endParaRPr/>
+                      <a:r>
+                        <a:rPr lang="en-US" sz="1000" b="0" i="0" u="none" strike="noStrike" cap="none" dirty="0">
+                          <a:solidFill>
+                            <a:srgbClr val="000000"/>
+                          </a:solidFill>
+                          <a:latin typeface="Arial"/>
+                          <a:cs typeface="Arial"/>
+                          <a:sym typeface="Arial"/>
+                        </a:rPr>
+                        <a:t>The message associated with the commit</a:t>
+                      </a:r>
+                      <a:endParaRPr sz="1000" b="0" i="0" u="none" strike="noStrike" cap="none" dirty="0">
+                        <a:solidFill>
+                          <a:srgbClr val="000000"/>
+                        </a:solidFill>
+                        <a:latin typeface="Arial"/>
+                        <a:cs typeface="Arial"/>
+                        <a:sym typeface="Arial"/>
+                      </a:endParaRPr>
                     </a:p>
                   </a:txBody>
                   <a:tcPr marL="91425" marR="91425" marT="91425" marB="91425">
